--- a/PATRON DE DISEÑO REPOSITORIO.pptx
+++ b/PATRON DE DISEÑO REPOSITORIO.pptx
@@ -7,7 +7,8 @@
   <p:sldIdLst>
     <p:sldId id="256" r:id="rId2"/>
     <p:sldId id="257" r:id="rId3"/>
-    <p:sldId id="259" r:id="rId4"/>
+    <p:sldId id="260" r:id="rId4"/>
+    <p:sldId id="259" r:id="rId5"/>
   </p:sldIdLst>
   <p:sldSz cx="12192000" cy="6858000"/>
   <p:notesSz cx="6858000" cy="9144000"/>
@@ -300,7 +301,7 @@
           <a:p>
             <a:fld id="{28D36C68-55DA-486C-BA82-452BA7DBB6ED}" type="datetimeFigureOut">
               <a:rPr lang="es-CO" smtClean="0"/>
-              <a:t>2/02/2020</a:t>
+              <a:t>4/02/2020</a:t>
             </a:fld>
             <a:endParaRPr lang="es-CO"/>
           </a:p>
@@ -575,7 +576,7 @@
           <a:p>
             <a:fld id="{28D36C68-55DA-486C-BA82-452BA7DBB6ED}" type="datetimeFigureOut">
               <a:rPr lang="es-CO" smtClean="0"/>
-              <a:t>2/02/2020</a:t>
+              <a:t>4/02/2020</a:t>
             </a:fld>
             <a:endParaRPr lang="es-CO"/>
           </a:p>
@@ -769,7 +770,7 @@
           <a:p>
             <a:fld id="{28D36C68-55DA-486C-BA82-452BA7DBB6ED}" type="datetimeFigureOut">
               <a:rPr lang="es-CO" smtClean="0"/>
-              <a:t>2/02/2020</a:t>
+              <a:t>4/02/2020</a:t>
             </a:fld>
             <a:endParaRPr lang="es-CO"/>
           </a:p>
@@ -1042,7 +1043,7 @@
           <a:p>
             <a:fld id="{28D36C68-55DA-486C-BA82-452BA7DBB6ED}" type="datetimeFigureOut">
               <a:rPr lang="es-CO" smtClean="0"/>
-              <a:t>2/02/2020</a:t>
+              <a:t>4/02/2020</a:t>
             </a:fld>
             <a:endParaRPr lang="es-CO"/>
           </a:p>
@@ -1383,7 +1384,7 @@
           <a:p>
             <a:fld id="{28D36C68-55DA-486C-BA82-452BA7DBB6ED}" type="datetimeFigureOut">
               <a:rPr lang="es-CO" smtClean="0"/>
-              <a:t>2/02/2020</a:t>
+              <a:t>4/02/2020</a:t>
             </a:fld>
             <a:endParaRPr lang="es-CO"/>
           </a:p>
@@ -2006,7 +2007,7 @@
           <a:p>
             <a:fld id="{28D36C68-55DA-486C-BA82-452BA7DBB6ED}" type="datetimeFigureOut">
               <a:rPr lang="es-CO" smtClean="0"/>
-              <a:t>2/02/2020</a:t>
+              <a:t>4/02/2020</a:t>
             </a:fld>
             <a:endParaRPr lang="es-CO"/>
           </a:p>
@@ -2866,7 +2867,7 @@
           <a:p>
             <a:fld id="{28D36C68-55DA-486C-BA82-452BA7DBB6ED}" type="datetimeFigureOut">
               <a:rPr lang="es-CO" smtClean="0"/>
-              <a:t>2/02/2020</a:t>
+              <a:t>4/02/2020</a:t>
             </a:fld>
             <a:endParaRPr lang="es-CO"/>
           </a:p>
@@ -3036,7 +3037,7 @@
           <a:p>
             <a:fld id="{28D36C68-55DA-486C-BA82-452BA7DBB6ED}" type="datetimeFigureOut">
               <a:rPr lang="es-CO" smtClean="0"/>
-              <a:t>2/02/2020</a:t>
+              <a:t>4/02/2020</a:t>
             </a:fld>
             <a:endParaRPr lang="es-CO"/>
           </a:p>
@@ -3216,7 +3217,7 @@
           <a:p>
             <a:fld id="{28D36C68-55DA-486C-BA82-452BA7DBB6ED}" type="datetimeFigureOut">
               <a:rPr lang="es-CO" smtClean="0"/>
-              <a:t>2/02/2020</a:t>
+              <a:t>4/02/2020</a:t>
             </a:fld>
             <a:endParaRPr lang="es-CO"/>
           </a:p>
@@ -3386,7 +3387,7 @@
           <a:p>
             <a:fld id="{28D36C68-55DA-486C-BA82-452BA7DBB6ED}" type="datetimeFigureOut">
               <a:rPr lang="es-CO" smtClean="0"/>
-              <a:t>2/02/2020</a:t>
+              <a:t>4/02/2020</a:t>
             </a:fld>
             <a:endParaRPr lang="es-CO"/>
           </a:p>
@@ -3633,7 +3634,7 @@
           <a:p>
             <a:fld id="{28D36C68-55DA-486C-BA82-452BA7DBB6ED}" type="datetimeFigureOut">
               <a:rPr lang="es-CO" smtClean="0"/>
-              <a:t>2/02/2020</a:t>
+              <a:t>4/02/2020</a:t>
             </a:fld>
             <a:endParaRPr lang="es-CO"/>
           </a:p>
@@ -3925,7 +3926,7 @@
           <a:p>
             <a:fld id="{28D36C68-55DA-486C-BA82-452BA7DBB6ED}" type="datetimeFigureOut">
               <a:rPr lang="es-CO" smtClean="0"/>
-              <a:t>2/02/2020</a:t>
+              <a:t>4/02/2020</a:t>
             </a:fld>
             <a:endParaRPr lang="es-CO"/>
           </a:p>
@@ -4369,7 +4370,7 @@
           <a:p>
             <a:fld id="{28D36C68-55DA-486C-BA82-452BA7DBB6ED}" type="datetimeFigureOut">
               <a:rPr lang="es-CO" smtClean="0"/>
-              <a:t>2/02/2020</a:t>
+              <a:t>4/02/2020</a:t>
             </a:fld>
             <a:endParaRPr lang="es-CO"/>
           </a:p>
@@ -4487,7 +4488,7 @@
           <a:p>
             <a:fld id="{28D36C68-55DA-486C-BA82-452BA7DBB6ED}" type="datetimeFigureOut">
               <a:rPr lang="es-CO" smtClean="0"/>
-              <a:t>2/02/2020</a:t>
+              <a:t>4/02/2020</a:t>
             </a:fld>
             <a:endParaRPr lang="es-CO"/>
           </a:p>
@@ -4582,7 +4583,7 @@
           <a:p>
             <a:fld id="{28D36C68-55DA-486C-BA82-452BA7DBB6ED}" type="datetimeFigureOut">
               <a:rPr lang="es-CO" smtClean="0"/>
-              <a:t>2/02/2020</a:t>
+              <a:t>4/02/2020</a:t>
             </a:fld>
             <a:endParaRPr lang="es-CO"/>
           </a:p>
@@ -4861,7 +4862,7 @@
           <a:p>
             <a:fld id="{28D36C68-55DA-486C-BA82-452BA7DBB6ED}" type="datetimeFigureOut">
               <a:rPr lang="es-CO" smtClean="0"/>
-              <a:t>2/02/2020</a:t>
+              <a:t>4/02/2020</a:t>
             </a:fld>
             <a:endParaRPr lang="es-CO"/>
           </a:p>
@@ -5136,7 +5137,7 @@
           <a:p>
             <a:fld id="{28D36C68-55DA-486C-BA82-452BA7DBB6ED}" type="datetimeFigureOut">
               <a:rPr lang="es-CO" smtClean="0"/>
-              <a:t>2/02/2020</a:t>
+              <a:t>4/02/2020</a:t>
             </a:fld>
             <a:endParaRPr lang="es-CO"/>
           </a:p>
@@ -5565,7 +5566,7 @@
           <a:p>
             <a:fld id="{28D36C68-55DA-486C-BA82-452BA7DBB6ED}" type="datetimeFigureOut">
               <a:rPr lang="es-CO" smtClean="0"/>
-              <a:t>2/02/2020</a:t>
+              <a:t>4/02/2020</a:t>
             </a:fld>
             <a:endParaRPr lang="es-CO"/>
           </a:p>
@@ -6465,6 +6466,95 @@
           <p:cNvPr id="2" name="Título 1">
             <a:extLst>
               <a:ext uri="{FF2B5EF4-FFF2-40B4-BE49-F238E27FC236}">
+                <a16:creationId xmlns:a16="http://schemas.microsoft.com/office/drawing/2014/main" id="{397C30DA-1828-4FEB-AFF0-9C0FF52484E9}"/>
+              </a:ext>
+            </a:extLst>
+          </p:cNvPr>
+          <p:cNvSpPr>
+            <a:spLocks noGrp="1"/>
+          </p:cNvSpPr>
+          <p:nvPr>
+            <p:ph type="title"/>
+          </p:nvPr>
+        </p:nvSpPr>
+        <p:spPr/>
+        <p:txBody>
+          <a:bodyPr/>
+          <a:lstStyle/>
+          <a:p>
+            <a:pPr algn="ctr"/>
+            <a:r>
+              <a:rPr lang="es-CO" dirty="0"/>
+              <a:t>REPOSITORIO</a:t>
+            </a:r>
+          </a:p>
+        </p:txBody>
+      </p:sp>
+      <p:pic>
+        <p:nvPicPr>
+          <p:cNvPr id="4" name="Imagen 3">
+            <a:extLst>
+              <a:ext uri="{FF2B5EF4-FFF2-40B4-BE49-F238E27FC236}">
+                <a16:creationId xmlns:a16="http://schemas.microsoft.com/office/drawing/2014/main" id="{7FC4F1F5-CFC7-4EB7-AAA6-A3EB063DB8FD}"/>
+              </a:ext>
+            </a:extLst>
+          </p:cNvPr>
+          <p:cNvPicPr>
+            <a:picLocks noChangeAspect="1"/>
+          </p:cNvPicPr>
+          <p:nvPr/>
+        </p:nvPicPr>
+        <p:blipFill>
+          <a:blip r:embed="rId2"/>
+          <a:stretch>
+            <a:fillRect/>
+          </a:stretch>
+        </p:blipFill>
+        <p:spPr>
+          <a:xfrm>
+            <a:off x="2372190" y="1288040"/>
+            <a:ext cx="7490902" cy="5569960"/>
+          </a:xfrm>
+          <a:prstGeom prst="rect">
+            <a:avLst/>
+          </a:prstGeom>
+        </p:spPr>
+      </p:pic>
+    </p:spTree>
+    <p:extLst>
+      <p:ext uri="{BB962C8B-B14F-4D97-AF65-F5344CB8AC3E}">
+        <p14:creationId xmlns:p14="http://schemas.microsoft.com/office/powerpoint/2010/main" val="2709876562"/>
+      </p:ext>
+    </p:extLst>
+  </p:cSld>
+  <p:clrMapOvr>
+    <a:masterClrMapping/>
+  </p:clrMapOvr>
+</p:sld>
+</file>
+
+<file path=ppt/slides/slide4.xml><?xml version="1.0" encoding="utf-8"?>
+<p:sld xmlns:a="http://schemas.openxmlformats.org/drawingml/2006/main" xmlns:r="http://schemas.openxmlformats.org/officeDocument/2006/relationships" xmlns:p="http://schemas.openxmlformats.org/presentationml/2006/main">
+  <p:cSld>
+    <p:spTree>
+      <p:nvGrpSpPr>
+        <p:cNvPr id="1" name=""/>
+        <p:cNvGrpSpPr/>
+        <p:nvPr/>
+      </p:nvGrpSpPr>
+      <p:grpSpPr>
+        <a:xfrm>
+          <a:off x="0" y="0"/>
+          <a:ext cx="0" cy="0"/>
+          <a:chOff x="0" y="0"/>
+          <a:chExt cx="0" cy="0"/>
+        </a:xfrm>
+      </p:grpSpPr>
+      <p:sp>
+        <p:nvSpPr>
+          <p:cNvPr id="2" name="Título 1">
+            <a:extLst>
+              <a:ext uri="{FF2B5EF4-FFF2-40B4-BE49-F238E27FC236}">
                 <a16:creationId xmlns:a16="http://schemas.microsoft.com/office/drawing/2014/main" id="{BA355283-4299-43E6-AC95-3CC4DD19B5DB}"/>
               </a:ext>
             </a:extLst>
